--- a/HA 01/WhatsChat_1.pptx
+++ b/HA 01/WhatsChat_1.pptx
@@ -2222,7 +2222,7 @@
         </p:nvSpPr>
         <p:spPr>
           <a:xfrm>
-            <a:off x="381300" y="685800"/>
+            <a:off x="381000" y="685800"/>
             <a:ext cx="6096000" cy="3429000"/>
           </a:xfrm>
           <a:custGeom>
@@ -10529,8 +10529,8 @@
         </p:blipFill>
         <p:spPr>
           <a:xfrm>
-            <a:off x="392601" y="1402164"/>
-            <a:ext cx="3842788" cy="2279490"/>
+            <a:off x="395341" y="1402164"/>
+            <a:ext cx="3837307" cy="2279490"/>
           </a:xfrm>
           <a:prstGeom prst="rect">
             <a:avLst/>
@@ -10572,6 +10572,50 @@
           </a:ln>
         </p:spPr>
       </p:pic>
+      <p:sp>
+        <p:nvSpPr>
+          <p:cNvPr id="7" name="Textfeld 6">
+            <a:extLst>
+              <a:ext uri="{FF2B5EF4-FFF2-40B4-BE49-F238E27FC236}">
+                <a16:creationId xmlns:a16="http://schemas.microsoft.com/office/drawing/2014/main" id="{F5D6AEE8-B78D-4C9C-9A2D-C9F4B9AA8CB0}"/>
+              </a:ext>
+            </a:extLst>
+          </p:cNvPr>
+          <p:cNvSpPr txBox="1"/>
+          <p:nvPr/>
+        </p:nvSpPr>
+        <p:spPr>
+          <a:xfrm>
+            <a:off x="4572000" y="5020389"/>
+            <a:ext cx="4571999" cy="123111"/>
+          </a:xfrm>
+          <a:prstGeom prst="rect">
+            <a:avLst/>
+          </a:prstGeom>
+          <a:noFill/>
+        </p:spPr>
+        <p:txBody>
+          <a:bodyPr wrap="square" tIns="0" bIns="0" rtlCol="0">
+            <a:spAutoFit/>
+          </a:bodyPr>
+          <a:lstStyle/>
+          <a:p>
+            <a:pPr algn="r"/>
+            <a:r>
+              <a:rPr lang="de-DE" sz="800" i="1" dirty="0"/>
+              <a:t>Code </a:t>
+            </a:r>
+            <a:r>
+              <a:rPr lang="de-DE" sz="800" i="1" dirty="0" err="1"/>
+              <a:t>by</a:t>
+            </a:r>
+            <a:r>
+              <a:rPr lang="de-DE" sz="800" i="1" dirty="0"/>
+              <a:t>: Timon, Leonard</a:t>
+            </a:r>
+          </a:p>
+        </p:txBody>
+      </p:sp>
     </p:spTree>
   </p:cSld>
   <p:clrMapOvr>
@@ -10679,7 +10723,7 @@
             </a:r>
             <a:r>
               <a:rPr lang="en-GB" sz="1500" dirty="0" err="1"/>
-              <a:t>GetChannels</a:t>
+              <a:t>getChannels</a:t>
             </a:r>
             <a:r>
               <a:rPr lang="en-GB" sz="1500" dirty="0"/>
@@ -10687,7 +10731,7 @@
             </a:r>
             <a:r>
               <a:rPr lang="en-GB" sz="1200" i="1" dirty="0"/>
-              <a:t>– loads channels from server  </a:t>
+              <a:t>– Timon</a:t>
             </a:r>
             <a:endParaRPr sz="1500" i="1" dirty="0"/>
           </a:p>
@@ -10789,15 +10833,19 @@
             </a:r>
             <a:r>
               <a:rPr lang="en-GB" sz="1500" dirty="0" err="1"/>
-              <a:t>CreateNewChannel</a:t>
+              <a:t>createNewChannel</a:t>
             </a:r>
             <a:r>
               <a:rPr lang="en-GB" sz="1500" dirty="0"/>
               <a:t>() </a:t>
             </a:r>
             <a:r>
+              <a:rPr lang="en-GB" sz="1500" i="1" dirty="0"/>
+              <a:t>- </a:t>
+            </a:r>
+            <a:r>
               <a:rPr lang="en-GB" sz="1200" i="1" dirty="0"/>
-              <a:t>– creates channel on server </a:t>
+              <a:t>Leonard</a:t>
             </a:r>
             <a:endParaRPr sz="1500" i="1" dirty="0"/>
           </a:p>
@@ -10907,7 +10955,7 @@
             </a:r>
             <a:r>
               <a:rPr lang="en-GB" sz="1200" i="1" dirty="0"/>
-              <a:t>- adds it to the screen</a:t>
+              <a:t>- Timon</a:t>
             </a:r>
             <a:endParaRPr sz="1500" i="1" dirty="0"/>
           </a:p>
@@ -10934,8 +10982,8 @@
         </p:blipFill>
         <p:spPr>
           <a:xfrm>
-            <a:off x="392601" y="1402164"/>
-            <a:ext cx="3842788" cy="2279490"/>
+            <a:off x="395341" y="1402164"/>
+            <a:ext cx="3837307" cy="2279490"/>
           </a:xfrm>
           <a:prstGeom prst="rect">
             <a:avLst/>
@@ -11056,8 +11104,8 @@
         </p:nvSpPr>
         <p:spPr>
           <a:xfrm>
-            <a:off x="4694300" y="99125"/>
-            <a:ext cx="2204700" cy="573000"/>
+            <a:off x="4694299" y="99125"/>
+            <a:ext cx="4268271" cy="573000"/>
           </a:xfrm>
           <a:prstGeom prst="rect">
             <a:avLst/>
@@ -11090,7 +11138,11 @@
               <a:rPr lang="en-GB" sz="1500" dirty="0"/>
               <a:t>() </a:t>
             </a:r>
-            <a:endParaRPr sz="1500" dirty="0"/>
+            <a:r>
+              <a:rPr lang="en-GB" sz="1500" i="1" dirty="0"/>
+              <a:t>- Timon</a:t>
+            </a:r>
+            <a:endParaRPr sz="1500" i="1" dirty="0"/>
           </a:p>
         </p:txBody>
       </p:sp>
@@ -11170,7 +11222,7 @@
             </a:r>
             <a:r>
               <a:rPr lang="en-GB" sz="1000" i="1" dirty="0"/>
-              <a:t>– make sure the server name is valid</a:t>
+              <a:t>– Timon</a:t>
             </a:r>
             <a:endParaRPr sz="1500" i="1" dirty="0"/>
           </a:p>
@@ -11225,8 +11277,8 @@
         </p:blipFill>
         <p:spPr>
           <a:xfrm>
-            <a:off x="392601" y="1402164"/>
-            <a:ext cx="3842788" cy="2279490"/>
+            <a:off x="395341" y="1402164"/>
+            <a:ext cx="3837307" cy="2279490"/>
           </a:xfrm>
           <a:prstGeom prst="rect">
             <a:avLst/>
@@ -11314,8 +11366,8 @@
         </p:blipFill>
         <p:spPr>
           <a:xfrm>
-            <a:off x="392601" y="1402164"/>
-            <a:ext cx="3842788" cy="2279490"/>
+            <a:off x="395341" y="1402164"/>
+            <a:ext cx="3837307" cy="2279490"/>
           </a:xfrm>
           <a:prstGeom prst="rect">
             <a:avLst/>
@@ -11782,6 +11834,50 @@
           </a:ln>
         </p:spPr>
       </p:cxnSp>
+      <p:sp>
+        <p:nvSpPr>
+          <p:cNvPr id="16" name="Textfeld 15">
+            <a:extLst>
+              <a:ext uri="{FF2B5EF4-FFF2-40B4-BE49-F238E27FC236}">
+                <a16:creationId xmlns:a16="http://schemas.microsoft.com/office/drawing/2014/main" id="{57DF0FE3-02B2-4E1A-A29F-2DC8A2707307}"/>
+              </a:ext>
+            </a:extLst>
+          </p:cNvPr>
+          <p:cNvSpPr txBox="1"/>
+          <p:nvPr/>
+        </p:nvSpPr>
+        <p:spPr>
+          <a:xfrm>
+            <a:off x="4572000" y="5020389"/>
+            <a:ext cx="4571999" cy="123111"/>
+          </a:xfrm>
+          <a:prstGeom prst="rect">
+            <a:avLst/>
+          </a:prstGeom>
+          <a:noFill/>
+        </p:spPr>
+        <p:txBody>
+          <a:bodyPr wrap="square" tIns="0" bIns="0" rtlCol="0">
+            <a:spAutoFit/>
+          </a:bodyPr>
+          <a:lstStyle/>
+          <a:p>
+            <a:pPr algn="r"/>
+            <a:r>
+              <a:rPr lang="de-DE" sz="800" i="1" dirty="0"/>
+              <a:t>Code </a:t>
+            </a:r>
+            <a:r>
+              <a:rPr lang="de-DE" sz="800" i="1" dirty="0" err="1"/>
+              <a:t>by</a:t>
+            </a:r>
+            <a:r>
+              <a:rPr lang="de-DE" sz="800" i="1" dirty="0"/>
+              <a:t>: Timon</a:t>
+            </a:r>
+          </a:p>
+        </p:txBody>
+      </p:sp>
     </p:spTree>
   </p:cSld>
   <p:clrMapOvr>
@@ -12775,8 +12871,8 @@
         </p:blipFill>
         <p:spPr>
           <a:xfrm>
-            <a:off x="392601" y="1402164"/>
-            <a:ext cx="3842788" cy="2279490"/>
+            <a:off x="395341" y="1402164"/>
+            <a:ext cx="3837307" cy="2279490"/>
           </a:xfrm>
           <a:prstGeom prst="rect">
             <a:avLst/>
@@ -12818,6 +12914,50 @@
           </a:ln>
         </p:spPr>
       </p:pic>
+      <p:sp>
+        <p:nvSpPr>
+          <p:cNvPr id="7" name="Textfeld 6">
+            <a:extLst>
+              <a:ext uri="{FF2B5EF4-FFF2-40B4-BE49-F238E27FC236}">
+                <a16:creationId xmlns:a16="http://schemas.microsoft.com/office/drawing/2014/main" id="{43C7C583-1340-4AF0-A008-9F96E4E71A32}"/>
+              </a:ext>
+            </a:extLst>
+          </p:cNvPr>
+          <p:cNvSpPr txBox="1"/>
+          <p:nvPr/>
+        </p:nvSpPr>
+        <p:spPr>
+          <a:xfrm>
+            <a:off x="4572000" y="5020389"/>
+            <a:ext cx="4571999" cy="123111"/>
+          </a:xfrm>
+          <a:prstGeom prst="rect">
+            <a:avLst/>
+          </a:prstGeom>
+          <a:noFill/>
+        </p:spPr>
+        <p:txBody>
+          <a:bodyPr wrap="square" tIns="0" bIns="0" rtlCol="0">
+            <a:spAutoFit/>
+          </a:bodyPr>
+          <a:lstStyle/>
+          <a:p>
+            <a:pPr algn="r"/>
+            <a:r>
+              <a:rPr lang="de-DE" sz="800" i="1" dirty="0"/>
+              <a:t>Code </a:t>
+            </a:r>
+            <a:r>
+              <a:rPr lang="de-DE" sz="800" i="1" dirty="0" err="1"/>
+              <a:t>by</a:t>
+            </a:r>
+            <a:r>
+              <a:rPr lang="de-DE" sz="800" i="1" dirty="0"/>
+              <a:t>: Timon, Leonard</a:t>
+            </a:r>
+          </a:p>
+        </p:txBody>
+      </p:sp>
     </p:spTree>
   </p:cSld>
   <p:clrMapOvr>
@@ -12898,7 +13038,7 @@
         <p:spPr>
           <a:xfrm>
             <a:off x="4694300" y="99125"/>
-            <a:ext cx="2204700" cy="573000"/>
+            <a:ext cx="3469986" cy="573000"/>
           </a:xfrm>
           <a:prstGeom prst="rect">
             <a:avLst/>
@@ -12931,7 +13071,11 @@
               <a:rPr lang="en-GB" sz="1500" dirty="0"/>
               <a:t>() </a:t>
             </a:r>
-            <a:endParaRPr sz="1500" dirty="0"/>
+            <a:r>
+              <a:rPr lang="en-GB" sz="1200" i="1" dirty="0"/>
+              <a:t>- Timon</a:t>
+            </a:r>
+            <a:endParaRPr sz="1200" i="1" dirty="0"/>
           </a:p>
         </p:txBody>
       </p:sp>
@@ -12947,8 +13091,8 @@
         </p:nvSpPr>
         <p:spPr>
           <a:xfrm>
-            <a:off x="4694300" y="2505063"/>
-            <a:ext cx="2204700" cy="573000"/>
+            <a:off x="4694299" y="2505063"/>
+            <a:ext cx="3970729" cy="573000"/>
           </a:xfrm>
           <a:prstGeom prst="rect">
             <a:avLst/>
@@ -12970,10 +13114,22 @@
               <a:buNone/>
             </a:pPr>
             <a:r>
-              <a:rPr lang="en-GB" sz="1500"/>
-              <a:t>_addUsersToScreen() </a:t>
-            </a:r>
-            <a:endParaRPr sz="1500"/>
+              <a:rPr lang="en-GB" sz="1500" dirty="0"/>
+              <a:t>_</a:t>
+            </a:r>
+            <a:r>
+              <a:rPr lang="en-GB" sz="1500" dirty="0" err="1"/>
+              <a:t>addUsersToScreen</a:t>
+            </a:r>
+            <a:r>
+              <a:rPr lang="en-GB" sz="1500" dirty="0"/>
+              <a:t>() </a:t>
+            </a:r>
+            <a:r>
+              <a:rPr lang="en-GB" sz="1200" i="1" dirty="0"/>
+              <a:t>- Timon </a:t>
+            </a:r>
+            <a:endParaRPr sz="1200" i="1" dirty="0"/>
           </a:p>
         </p:txBody>
       </p:sp>
@@ -13015,7 +13171,7 @@
         <p:spPr>
           <a:xfrm>
             <a:off x="4694300" y="3442088"/>
-            <a:ext cx="2204700" cy="573000"/>
+            <a:ext cx="3970728" cy="573000"/>
           </a:xfrm>
           <a:prstGeom prst="rect">
             <a:avLst/>
@@ -13040,7 +13196,11 @@
               <a:rPr lang="en-GB" sz="1500" dirty="0"/>
               <a:t>_updateUserList() </a:t>
             </a:r>
-            <a:endParaRPr sz="1500" dirty="0"/>
+            <a:r>
+              <a:rPr lang="en-GB" sz="1200" i="1" dirty="0"/>
+              <a:t>- Timon</a:t>
+            </a:r>
+            <a:endParaRPr sz="1200" i="1" dirty="0"/>
           </a:p>
         </p:txBody>
       </p:sp>
@@ -13090,8 +13250,8 @@
         </p:blipFill>
         <p:spPr>
           <a:xfrm>
-            <a:off x="392601" y="1402164"/>
-            <a:ext cx="3842788" cy="2279490"/>
+            <a:off x="395341" y="1402164"/>
+            <a:ext cx="3837307" cy="2279490"/>
           </a:xfrm>
           <a:prstGeom prst="rect">
             <a:avLst/>
@@ -13195,14 +13355,16 @@
           <p:nvPr/>
         </p:nvPicPr>
         <p:blipFill rotWithShape="1">
-          <a:blip r:embed="rId4"/>
+          <a:blip r:embed="rId4">
+            <a:alphaModFix amt="20000"/>
+          </a:blip>
           <a:srcRect/>
           <a:stretch/>
         </p:blipFill>
         <p:spPr>
           <a:xfrm>
-            <a:off x="391057" y="1402164"/>
-            <a:ext cx="3845873" cy="2279488"/>
+            <a:off x="395341" y="1402164"/>
+            <a:ext cx="3837304" cy="2279488"/>
           </a:xfrm>
           <a:prstGeom prst="rect">
             <a:avLst/>
@@ -13241,7 +13403,7 @@
           <a:graphicData uri="http://schemas.openxmlformats.org/presentationml/2006/ole">
             <mc:AlternateContent xmlns:mc="http://schemas.openxmlformats.org/markup-compatibility/2006">
               <mc:Choice xmlns:v="urn:schemas-microsoft-com:vml" Requires="v">
-                <p:oleObj spid="_x0000_s1033" r:id="rId5" imgW="4760280" imgH="4376520" progId="">
+                <p:oleObj spid="_x0000_s1039" r:id="rId5" imgW="4760280" imgH="4376520" progId="">
                   <p:embed/>
                 </p:oleObj>
               </mc:Choice>
@@ -13904,6 +14066,50 @@
           </a:ln>
         </p:spPr>
       </p:pic>
+      <p:sp>
+        <p:nvSpPr>
+          <p:cNvPr id="21" name="Textfeld 20">
+            <a:extLst>
+              <a:ext uri="{FF2B5EF4-FFF2-40B4-BE49-F238E27FC236}">
+                <a16:creationId xmlns:a16="http://schemas.microsoft.com/office/drawing/2014/main" id="{B997BFA0-908B-48EE-87C1-44374EAB6DF5}"/>
+              </a:ext>
+            </a:extLst>
+          </p:cNvPr>
+          <p:cNvSpPr txBox="1"/>
+          <p:nvPr/>
+        </p:nvSpPr>
+        <p:spPr>
+          <a:xfrm>
+            <a:off x="4572000" y="5020389"/>
+            <a:ext cx="4571999" cy="123111"/>
+          </a:xfrm>
+          <a:prstGeom prst="rect">
+            <a:avLst/>
+          </a:prstGeom>
+          <a:noFill/>
+        </p:spPr>
+        <p:txBody>
+          <a:bodyPr wrap="square" tIns="0" bIns="0" rtlCol="0">
+            <a:spAutoFit/>
+          </a:bodyPr>
+          <a:lstStyle/>
+          <a:p>
+            <a:pPr algn="r"/>
+            <a:r>
+              <a:rPr lang="de-DE" sz="800" i="1" dirty="0"/>
+              <a:t>Code </a:t>
+            </a:r>
+            <a:r>
+              <a:rPr lang="de-DE" sz="800" i="1" dirty="0" err="1"/>
+              <a:t>by</a:t>
+            </a:r>
+            <a:r>
+              <a:rPr lang="de-DE" sz="800" i="1" dirty="0"/>
+              <a:t>: Timon</a:t>
+            </a:r>
+          </a:p>
+        </p:txBody>
+      </p:sp>
     </p:spTree>
   </p:cSld>
   <p:clrMapOvr>
@@ -14690,14 +14896,16 @@
           <p:nvPr/>
         </p:nvPicPr>
         <p:blipFill rotWithShape="1">
-          <a:blip r:embed="rId4"/>
+          <a:blip r:embed="rId4">
+            <a:alphaModFix amt="20000"/>
+          </a:blip>
           <a:srcRect/>
           <a:stretch/>
         </p:blipFill>
         <p:spPr>
           <a:xfrm>
-            <a:off x="391057" y="1402164"/>
-            <a:ext cx="3845873" cy="2279488"/>
+            <a:off x="395342" y="1402164"/>
+            <a:ext cx="3837304" cy="2279488"/>
           </a:xfrm>
           <a:prstGeom prst="rect">
             <a:avLst/>
@@ -14736,7 +14944,7 @@
           <a:graphicData uri="http://schemas.openxmlformats.org/presentationml/2006/ole">
             <mc:AlternateContent xmlns:mc="http://schemas.openxmlformats.org/markup-compatibility/2006">
               <mc:Choice xmlns:v="urn:schemas-microsoft-com:vml" Requires="v">
-                <p:oleObj spid="_x0000_s2056" r:id="rId5" imgW="4760280" imgH="4376520" progId="">
+                <p:oleObj spid="_x0000_s2061" r:id="rId5" imgW="4760280" imgH="4376520" progId="">
                   <p:embed/>
                 </p:oleObj>
               </mc:Choice>
@@ -14777,6 +14985,50 @@
           </a:graphicData>
         </a:graphic>
       </p:graphicFrame>
+      <p:sp>
+        <p:nvSpPr>
+          <p:cNvPr id="7" name="Textfeld 6">
+            <a:extLst>
+              <a:ext uri="{FF2B5EF4-FFF2-40B4-BE49-F238E27FC236}">
+                <a16:creationId xmlns:a16="http://schemas.microsoft.com/office/drawing/2014/main" id="{4725A7E5-1E8B-48DF-9F08-BBD3BE4EB173}"/>
+              </a:ext>
+            </a:extLst>
+          </p:cNvPr>
+          <p:cNvSpPr txBox="1"/>
+          <p:nvPr/>
+        </p:nvSpPr>
+        <p:spPr>
+          <a:xfrm>
+            <a:off x="4572000" y="5020389"/>
+            <a:ext cx="4571999" cy="123111"/>
+          </a:xfrm>
+          <a:prstGeom prst="rect">
+            <a:avLst/>
+          </a:prstGeom>
+          <a:noFill/>
+        </p:spPr>
+        <p:txBody>
+          <a:bodyPr wrap="square" tIns="0" bIns="0" rtlCol="0">
+            <a:spAutoFit/>
+          </a:bodyPr>
+          <a:lstStyle/>
+          <a:p>
+            <a:pPr algn="r"/>
+            <a:r>
+              <a:rPr lang="de-DE" sz="800" i="1" dirty="0"/>
+              <a:t>Code </a:t>
+            </a:r>
+            <a:r>
+              <a:rPr lang="de-DE" sz="800" i="1" dirty="0" err="1"/>
+              <a:t>by</a:t>
+            </a:r>
+            <a:r>
+              <a:rPr lang="de-DE" sz="800" i="1" dirty="0"/>
+              <a:t>: Timon, Leonard</a:t>
+            </a:r>
+          </a:p>
+        </p:txBody>
+      </p:sp>
     </p:spTree>
   </p:cSld>
   <p:clrMapOvr>
@@ -15193,14 +15445,16 @@
           <p:nvPr/>
         </p:nvPicPr>
         <p:blipFill rotWithShape="1">
-          <a:blip r:embed="rId4"/>
+          <a:blip r:embed="rId4">
+            <a:alphaModFix amt="20000"/>
+          </a:blip>
           <a:srcRect/>
           <a:stretch/>
         </p:blipFill>
         <p:spPr>
           <a:xfrm>
-            <a:off x="391057" y="1402164"/>
-            <a:ext cx="3845873" cy="2279488"/>
+            <a:off x="395341" y="1402164"/>
+            <a:ext cx="3837304" cy="2279488"/>
           </a:xfrm>
           <a:prstGeom prst="rect">
             <a:avLst/>
@@ -15239,7 +15493,7 @@
           <a:graphicData uri="http://schemas.openxmlformats.org/presentationml/2006/ole">
             <mc:AlternateContent xmlns:mc="http://schemas.openxmlformats.org/markup-compatibility/2006">
               <mc:Choice xmlns:v="urn:schemas-microsoft-com:vml" Requires="v">
-                <p:oleObj spid="_x0000_s3079" r:id="rId5" imgW="4760280" imgH="4376520" progId="">
+                <p:oleObj spid="_x0000_s3084" r:id="rId5" imgW="4760280" imgH="4376520" progId="">
                   <p:embed/>
                 </p:oleObj>
               </mc:Choice>
@@ -15280,6 +15534,50 @@
           </a:graphicData>
         </a:graphic>
       </p:graphicFrame>
+      <p:sp>
+        <p:nvSpPr>
+          <p:cNvPr id="7" name="Textfeld 6">
+            <a:extLst>
+              <a:ext uri="{FF2B5EF4-FFF2-40B4-BE49-F238E27FC236}">
+                <a16:creationId xmlns:a16="http://schemas.microsoft.com/office/drawing/2014/main" id="{87E87334-3210-408C-80CD-36BD2100F936}"/>
+              </a:ext>
+            </a:extLst>
+          </p:cNvPr>
+          <p:cNvSpPr txBox="1"/>
+          <p:nvPr/>
+        </p:nvSpPr>
+        <p:spPr>
+          <a:xfrm>
+            <a:off x="4572000" y="5020389"/>
+            <a:ext cx="4571999" cy="123111"/>
+          </a:xfrm>
+          <a:prstGeom prst="rect">
+            <a:avLst/>
+          </a:prstGeom>
+          <a:noFill/>
+        </p:spPr>
+        <p:txBody>
+          <a:bodyPr wrap="square" tIns="0" bIns="0" rtlCol="0">
+            <a:spAutoFit/>
+          </a:bodyPr>
+          <a:lstStyle/>
+          <a:p>
+            <a:pPr algn="r"/>
+            <a:r>
+              <a:rPr lang="de-DE" sz="800" i="1" dirty="0"/>
+              <a:t>Code </a:t>
+            </a:r>
+            <a:r>
+              <a:rPr lang="de-DE" sz="800" i="1" dirty="0" err="1"/>
+              <a:t>by</a:t>
+            </a:r>
+            <a:r>
+              <a:rPr lang="de-DE" sz="800" i="1" dirty="0"/>
+              <a:t>: Timon, Leonard</a:t>
+            </a:r>
+          </a:p>
+        </p:txBody>
+      </p:sp>
     </p:spTree>
   </p:cSld>
   <p:clrMapOvr>
@@ -15382,15 +15680,42 @@
               <a:buNone/>
             </a:pPr>
             <a:r>
-              <a:rPr lang="en-GB" b="1">
+              <a:rPr lang="en-GB" b="1" dirty="0">
                 <a:latin typeface="Lato"/>
                 <a:ea typeface="Lato"/>
                 <a:cs typeface="Lato"/>
                 <a:sym typeface="Lato"/>
               </a:rPr>
-              <a:t>_getMessages()</a:t>
-            </a:r>
-            <a:endParaRPr b="1">
+              <a:t>_</a:t>
+            </a:r>
+            <a:r>
+              <a:rPr lang="en-GB" b="1" dirty="0" err="1">
+                <a:latin typeface="Lato"/>
+                <a:ea typeface="Lato"/>
+                <a:cs typeface="Lato"/>
+                <a:sym typeface="Lato"/>
+              </a:rPr>
+              <a:t>getMessages</a:t>
+            </a:r>
+            <a:r>
+              <a:rPr lang="en-GB" b="1" dirty="0">
+                <a:latin typeface="Lato"/>
+                <a:ea typeface="Lato"/>
+                <a:cs typeface="Lato"/>
+                <a:sym typeface="Lato"/>
+              </a:rPr>
+              <a:t>() </a:t>
+            </a:r>
+            <a:r>
+              <a:rPr lang="en-GB" sz="1200" b="1" i="1" dirty="0">
+                <a:latin typeface="Lato"/>
+                <a:ea typeface="Lato"/>
+                <a:cs typeface="Lato"/>
+                <a:sym typeface="Lato"/>
+              </a:rPr>
+              <a:t>- Timon</a:t>
+            </a:r>
+            <a:endParaRPr sz="1200" b="1" i="1" dirty="0">
               <a:latin typeface="Lato"/>
               <a:ea typeface="Lato"/>
               <a:cs typeface="Lato"/>
@@ -15490,15 +15815,42 @@
               <a:buNone/>
             </a:pPr>
             <a:r>
-              <a:rPr lang="en-GB" b="1">
+              <a:rPr lang="en-GB" b="1" dirty="0">
                 <a:latin typeface="Lato"/>
                 <a:ea typeface="Lato"/>
                 <a:cs typeface="Lato"/>
                 <a:sym typeface="Lato"/>
               </a:rPr>
-              <a:t>_updateMessageList()</a:t>
-            </a:r>
-            <a:endParaRPr b="1">
+              <a:t>_</a:t>
+            </a:r>
+            <a:r>
+              <a:rPr lang="en-GB" b="1" dirty="0" err="1">
+                <a:latin typeface="Lato"/>
+                <a:ea typeface="Lato"/>
+                <a:cs typeface="Lato"/>
+                <a:sym typeface="Lato"/>
+              </a:rPr>
+              <a:t>updateMessageList</a:t>
+            </a:r>
+            <a:r>
+              <a:rPr lang="en-GB" b="1" dirty="0">
+                <a:latin typeface="Lato"/>
+                <a:ea typeface="Lato"/>
+                <a:cs typeface="Lato"/>
+                <a:sym typeface="Lato"/>
+              </a:rPr>
+              <a:t>() </a:t>
+            </a:r>
+            <a:r>
+              <a:rPr lang="en-GB" sz="1200" b="1" i="1" dirty="0">
+                <a:latin typeface="Lato"/>
+                <a:ea typeface="Lato"/>
+                <a:cs typeface="Lato"/>
+                <a:sym typeface="Lato"/>
+              </a:rPr>
+              <a:t>- Timon</a:t>
+            </a:r>
+            <a:endParaRPr sz="1200" b="1" i="1" dirty="0">
               <a:latin typeface="Lato"/>
               <a:ea typeface="Lato"/>
               <a:cs typeface="Lato"/>
@@ -15515,7 +15867,7 @@
               </a:spcAft>
               <a:buNone/>
             </a:pPr>
-            <a:endParaRPr>
+            <a:endParaRPr dirty="0">
               <a:latin typeface="Lato"/>
               <a:ea typeface="Lato"/>
               <a:cs typeface="Lato"/>
@@ -15537,14 +15889,16 @@
           <p:nvPr/>
         </p:nvPicPr>
         <p:blipFill rotWithShape="1">
-          <a:blip r:embed="rId6"/>
+          <a:blip r:embed="rId6">
+            <a:alphaModFix amt="20000"/>
+          </a:blip>
           <a:srcRect/>
           <a:stretch/>
         </p:blipFill>
         <p:spPr>
           <a:xfrm>
-            <a:off x="391057" y="1402164"/>
-            <a:ext cx="3845873" cy="2279488"/>
+            <a:off x="395342" y="1402164"/>
+            <a:ext cx="3837304" cy="2279488"/>
           </a:xfrm>
           <a:prstGeom prst="rect">
             <a:avLst/>
@@ -15583,7 +15937,7 @@
           <a:graphicData uri="http://schemas.openxmlformats.org/presentationml/2006/ole">
             <mc:AlternateContent xmlns:mc="http://schemas.openxmlformats.org/markup-compatibility/2006">
               <mc:Choice xmlns:v="urn:schemas-microsoft-com:vml" Requires="v">
-                <p:oleObj spid="_x0000_s4103" r:id="rId7" imgW="4760280" imgH="4376520" progId="">
+                <p:oleObj spid="_x0000_s4108" r:id="rId7" imgW="4760280" imgH="4376520" progId="">
                   <p:embed/>
                 </p:oleObj>
               </mc:Choice>
@@ -16638,7 +16992,7 @@
         <p:spPr>
           <a:xfrm>
             <a:off x="4743450" y="157350"/>
-            <a:ext cx="3733800" cy="452100"/>
+            <a:ext cx="4257674" cy="452100"/>
           </a:xfrm>
           <a:prstGeom prst="rect">
             <a:avLst/>
@@ -16664,15 +17018,78 @@
               <a:buNone/>
             </a:pPr>
             <a:r>
-              <a:rPr lang="en-GB" b="1">
+              <a:rPr lang="en-GB" b="1" dirty="0">
                 <a:latin typeface="Lato"/>
                 <a:ea typeface="Lato"/>
                 <a:cs typeface="Lato"/>
                 <a:sym typeface="Lato"/>
               </a:rPr>
-              <a:t>_sendMsg(sMsg, sSender)</a:t>
-            </a:r>
-            <a:endParaRPr b="1">
+              <a:t>_</a:t>
+            </a:r>
+            <a:r>
+              <a:rPr lang="en-GB" b="1" dirty="0" err="1">
+                <a:latin typeface="Lato"/>
+                <a:ea typeface="Lato"/>
+                <a:cs typeface="Lato"/>
+                <a:sym typeface="Lato"/>
+              </a:rPr>
+              <a:t>sendMsg</a:t>
+            </a:r>
+            <a:r>
+              <a:rPr lang="en-GB" b="1" dirty="0">
+                <a:latin typeface="Lato"/>
+                <a:ea typeface="Lato"/>
+                <a:cs typeface="Lato"/>
+                <a:sym typeface="Lato"/>
+              </a:rPr>
+              <a:t>(</a:t>
+            </a:r>
+            <a:r>
+              <a:rPr lang="en-GB" b="1" dirty="0" err="1">
+                <a:latin typeface="Lato"/>
+                <a:ea typeface="Lato"/>
+                <a:cs typeface="Lato"/>
+                <a:sym typeface="Lato"/>
+              </a:rPr>
+              <a:t>sMsg</a:t>
+            </a:r>
+            <a:r>
+              <a:rPr lang="en-GB" b="1" dirty="0">
+                <a:latin typeface="Lato"/>
+                <a:ea typeface="Lato"/>
+                <a:cs typeface="Lato"/>
+                <a:sym typeface="Lato"/>
+              </a:rPr>
+              <a:t>, </a:t>
+            </a:r>
+            <a:r>
+              <a:rPr lang="en-GB" b="1" dirty="0" err="1">
+                <a:latin typeface="Lato"/>
+                <a:ea typeface="Lato"/>
+                <a:cs typeface="Lato"/>
+                <a:sym typeface="Lato"/>
+              </a:rPr>
+              <a:t>sSender</a:t>
+            </a:r>
+            <a:r>
+              <a:rPr lang="en-GB" b="1" dirty="0">
+                <a:latin typeface="Lato"/>
+                <a:ea typeface="Lato"/>
+                <a:cs typeface="Lato"/>
+                <a:sym typeface="Lato"/>
+              </a:rPr>
+              <a:t>) </a:t>
+            </a:r>
+            <a:r>
+              <a:rPr lang="en-GB" sz="1200" b="1" i="1" dirty="0">
+                <a:latin typeface="Lato"/>
+                <a:ea typeface="Lato"/>
+                <a:cs typeface="Lato"/>
+                <a:sym typeface="Lato"/>
+              </a:rPr>
+              <a:t>- Leonard</a:t>
+            </a:r>
+            <a:endParaRPr sz="1200" b="1" i="1" dirty="0">
               <a:latin typeface="Lato"/>
               <a:ea typeface="Lato"/>
               <a:cs typeface="Lato"/>
@@ -16714,8 +17131,8 @@
         </p:nvSpPr>
         <p:spPr>
           <a:xfrm>
-            <a:off x="4743450" y="2391608"/>
-            <a:ext cx="3962400" cy="300600"/>
+            <a:off x="4743449" y="2485024"/>
+            <a:ext cx="4257675" cy="300600"/>
           </a:xfrm>
           <a:prstGeom prst="rect">
             <a:avLst/>
@@ -16801,9 +17218,18 @@
                 <a:cs typeface="Lato"/>
                 <a:sym typeface="Lato"/>
               </a:rPr>
-              <a:t>...)</a:t>
-            </a:r>
-            <a:endParaRPr dirty="0">
+              <a:t>...) </a:t>
+            </a:r>
+            <a:r>
+              <a:rPr lang="en-GB" sz="1200" b="1" i="1" dirty="0">
+                <a:latin typeface="Lato"/>
+                <a:ea typeface="Lato"/>
+                <a:cs typeface="Lato"/>
+                <a:sym typeface="Lato"/>
+              </a:rPr>
+              <a:t>- Timon</a:t>
+            </a:r>
+            <a:endParaRPr sz="1200" i="1" dirty="0">
               <a:latin typeface="Lato"/>
               <a:ea typeface="Lato"/>
               <a:cs typeface="Lato"/>
@@ -16825,14 +17251,16 @@
           <p:nvPr/>
         </p:nvPicPr>
         <p:blipFill rotWithShape="1">
-          <a:blip r:embed="rId5"/>
+          <a:blip r:embed="rId5">
+            <a:alphaModFix amt="20000"/>
+          </a:blip>
           <a:srcRect/>
           <a:stretch/>
         </p:blipFill>
         <p:spPr>
           <a:xfrm>
-            <a:off x="391057" y="1402164"/>
-            <a:ext cx="3845873" cy="2279488"/>
+            <a:off x="395341" y="1402164"/>
+            <a:ext cx="3837304" cy="2279488"/>
           </a:xfrm>
           <a:prstGeom prst="rect">
             <a:avLst/>
@@ -16871,7 +17299,7 @@
           <a:graphicData uri="http://schemas.openxmlformats.org/presentationml/2006/ole">
             <mc:AlternateContent xmlns:mc="http://schemas.openxmlformats.org/markup-compatibility/2006">
               <mc:Choice xmlns:v="urn:schemas-microsoft-com:vml" Requires="v">
-                <p:oleObj spid="_x0000_s5127" r:id="rId6" imgW="4760280" imgH="4376520" progId="">
+                <p:oleObj spid="_x0000_s5133" r:id="rId6" imgW="4760280" imgH="4376520" progId="">
                   <p:embed/>
                 </p:oleObj>
               </mc:Choice>
@@ -17044,15 +17472,42 @@
               <a:buNone/>
             </a:pPr>
             <a:r>
-              <a:rPr lang="en-GB" b="1">
+              <a:rPr lang="en-GB" b="1" dirty="0">
                 <a:latin typeface="Lato"/>
                 <a:ea typeface="Lato"/>
                 <a:cs typeface="Lato"/>
                 <a:sym typeface="Lato"/>
               </a:rPr>
-              <a:t>_inputHelper_ReadTextarea()</a:t>
-            </a:r>
-            <a:endParaRPr b="1">
+              <a:t>_</a:t>
+            </a:r>
+            <a:r>
+              <a:rPr lang="en-GB" b="1" dirty="0" err="1">
+                <a:latin typeface="Lato"/>
+                <a:ea typeface="Lato"/>
+                <a:cs typeface="Lato"/>
+                <a:sym typeface="Lato"/>
+              </a:rPr>
+              <a:t>inputHelper_ReadTextarea</a:t>
+            </a:r>
+            <a:r>
+              <a:rPr lang="en-GB" b="1" dirty="0">
+                <a:latin typeface="Lato"/>
+                <a:ea typeface="Lato"/>
+                <a:cs typeface="Lato"/>
+                <a:sym typeface="Lato"/>
+              </a:rPr>
+              <a:t>() </a:t>
+            </a:r>
+            <a:r>
+              <a:rPr lang="en-GB" sz="1200" b="1" i="1" dirty="0">
+                <a:latin typeface="Lato"/>
+                <a:ea typeface="Lato"/>
+                <a:cs typeface="Lato"/>
+                <a:sym typeface="Lato"/>
+              </a:rPr>
+              <a:t>- Timon</a:t>
+            </a:r>
+            <a:endParaRPr sz="1200" b="1" i="1" dirty="0">
               <a:latin typeface="Lato"/>
               <a:ea typeface="Lato"/>
               <a:cs typeface="Lato"/>
@@ -17120,8 +17575,8 @@
         </p:blipFill>
         <p:spPr>
           <a:xfrm>
-            <a:off x="4743450" y="609450"/>
-            <a:ext cx="3559251" cy="911100"/>
+            <a:off x="4743450" y="609449"/>
+            <a:ext cx="4257676" cy="1079725"/>
           </a:xfrm>
           <a:prstGeom prst="rect">
             <a:avLst/>
@@ -17145,14 +17600,16 @@
           <p:nvPr/>
         </p:nvPicPr>
         <p:blipFill rotWithShape="1">
-          <a:blip r:embed="rId5"/>
+          <a:blip r:embed="rId5">
+            <a:alphaModFix amt="20000"/>
+          </a:blip>
           <a:srcRect/>
           <a:stretch/>
         </p:blipFill>
         <p:spPr>
           <a:xfrm>
-            <a:off x="391057" y="1402164"/>
-            <a:ext cx="3845873" cy="2279488"/>
+            <a:off x="395341" y="1402164"/>
+            <a:ext cx="3837304" cy="2279488"/>
           </a:xfrm>
           <a:prstGeom prst="rect">
             <a:avLst/>
@@ -17191,7 +17648,7 @@
           <a:graphicData uri="http://schemas.openxmlformats.org/presentationml/2006/ole">
             <mc:AlternateContent xmlns:mc="http://schemas.openxmlformats.org/markup-compatibility/2006">
               <mc:Choice xmlns:v="urn:schemas-microsoft-com:vml" Requires="v">
-                <p:oleObj spid="_x0000_s6150" r:id="rId6" imgW="4760280" imgH="4376520" progId="">
+                <p:oleObj spid="_x0000_s6155" r:id="rId6" imgW="4760280" imgH="4376520" progId="">
                   <p:embed/>
                 </p:oleObj>
               </mc:Choice>
@@ -17257,37 +17714,6 @@
           <a:chExt cx="0" cy="0"/>
         </a:xfrm>
       </p:grpSpPr>
-      <p:pic>
-        <p:nvPicPr>
-          <p:cNvPr id="12" name="Google Shape;353;p27">
-            <a:extLst>
-              <a:ext uri="{FF2B5EF4-FFF2-40B4-BE49-F238E27FC236}">
-                <a16:creationId xmlns:a16="http://schemas.microsoft.com/office/drawing/2014/main" id="{3AB99E55-30E5-439C-88FB-C4EE7662B362}"/>
-              </a:ext>
-            </a:extLst>
-          </p:cNvPr>
-          <p:cNvPicPr preferRelativeResize="0"/>
-          <p:nvPr/>
-        </p:nvPicPr>
-        <p:blipFill rotWithShape="1">
-          <a:blip r:embed="rId3"/>
-          <a:srcRect/>
-          <a:stretch/>
-        </p:blipFill>
-        <p:spPr>
-          <a:xfrm>
-            <a:off x="303474" y="1364688"/>
-            <a:ext cx="4020774" cy="2383154"/>
-          </a:xfrm>
-          <a:prstGeom prst="rect">
-            <a:avLst/>
-          </a:prstGeom>
-          <a:noFill/>
-          <a:ln>
-            <a:noFill/>
-          </a:ln>
-        </p:spPr>
-      </p:pic>
       <p:sp>
         <p:nvSpPr>
           <p:cNvPr id="436" name="Google Shape;436;p33"/>
@@ -17337,7 +17763,7 @@
           <p:nvPr/>
         </p:nvPicPr>
         <p:blipFill>
-          <a:blip r:embed="rId4">
+          <a:blip r:embed="rId3">
             <a:alphaModFix/>
           </a:blip>
           <a:stretch>
@@ -17346,8 +17772,8 @@
         </p:blipFill>
         <p:spPr>
           <a:xfrm>
-            <a:off x="303600" y="3681650"/>
-            <a:ext cx="4020774" cy="59677"/>
+            <a:off x="395340" y="3619035"/>
+            <a:ext cx="3837305" cy="62617"/>
           </a:xfrm>
           <a:prstGeom prst="rect">
             <a:avLst/>
@@ -17449,7 +17875,7 @@
           <p:nvPr/>
         </p:nvPicPr>
         <p:blipFill rotWithShape="1">
-          <a:blip r:embed="rId5">
+          <a:blip r:embed="rId4">
             <a:alphaModFix/>
           </a:blip>
           <a:srcRect r="7544"/>
@@ -17476,7 +17902,7 @@
           <p:nvPr/>
         </p:nvPicPr>
         <p:blipFill>
-          <a:blip r:embed="rId6">
+          <a:blip r:embed="rId5">
             <a:alphaModFix/>
           </a:blip>
           <a:stretch>
@@ -17505,8 +17931,8 @@
         </p:nvSpPr>
         <p:spPr>
           <a:xfrm>
-            <a:off x="303600" y="3685224"/>
-            <a:ext cx="4020900" cy="62617"/>
+            <a:off x="395340" y="3619036"/>
+            <a:ext cx="3837304" cy="62616"/>
           </a:xfrm>
           <a:prstGeom prst="rect">
             <a:avLst/>
@@ -17552,8 +17978,8 @@
         </p:nvCxnSpPr>
         <p:spPr>
           <a:xfrm flipH="1">
-            <a:off x="4324500" y="1123975"/>
-            <a:ext cx="1285800" cy="2592558"/>
+            <a:off x="4232644" y="1123975"/>
+            <a:ext cx="1377656" cy="2526369"/>
           </a:xfrm>
           <a:prstGeom prst="straightConnector1">
             <a:avLst/>
@@ -17570,6 +17996,83 @@
           </a:ln>
         </p:spPr>
       </p:cxnSp>
+      <p:pic>
+        <p:nvPicPr>
+          <p:cNvPr id="11" name="Google Shape;353;p27">
+            <a:extLst>
+              <a:ext uri="{FF2B5EF4-FFF2-40B4-BE49-F238E27FC236}">
+                <a16:creationId xmlns:a16="http://schemas.microsoft.com/office/drawing/2014/main" id="{CC4096E2-D109-4543-A3B6-90993C13A6FB}"/>
+              </a:ext>
+            </a:extLst>
+          </p:cNvPr>
+          <p:cNvPicPr preferRelativeResize="0"/>
+          <p:nvPr/>
+        </p:nvPicPr>
+        <p:blipFill rotWithShape="1">
+          <a:blip r:embed="rId6">
+            <a:alphaModFix amt="20000"/>
+          </a:blip>
+          <a:srcRect/>
+          <a:stretch/>
+        </p:blipFill>
+        <p:spPr>
+          <a:xfrm>
+            <a:off x="395341" y="1402164"/>
+            <a:ext cx="3837304" cy="2279488"/>
+          </a:xfrm>
+          <a:prstGeom prst="rect">
+            <a:avLst/>
+          </a:prstGeom>
+          <a:noFill/>
+          <a:ln>
+            <a:noFill/>
+          </a:ln>
+        </p:spPr>
+      </p:pic>
+      <p:sp>
+        <p:nvSpPr>
+          <p:cNvPr id="13" name="Textfeld 12">
+            <a:extLst>
+              <a:ext uri="{FF2B5EF4-FFF2-40B4-BE49-F238E27FC236}">
+                <a16:creationId xmlns:a16="http://schemas.microsoft.com/office/drawing/2014/main" id="{DC10BB16-7BEF-4315-8F5E-7C32B18A1C1F}"/>
+              </a:ext>
+            </a:extLst>
+          </p:cNvPr>
+          <p:cNvSpPr txBox="1"/>
+          <p:nvPr/>
+        </p:nvSpPr>
+        <p:spPr>
+          <a:xfrm>
+            <a:off x="4572000" y="5020389"/>
+            <a:ext cx="4571999" cy="123111"/>
+          </a:xfrm>
+          <a:prstGeom prst="rect">
+            <a:avLst/>
+          </a:prstGeom>
+          <a:noFill/>
+        </p:spPr>
+        <p:txBody>
+          <a:bodyPr wrap="square" tIns="0" bIns="0" rtlCol="0">
+            <a:spAutoFit/>
+          </a:bodyPr>
+          <a:lstStyle/>
+          <a:p>
+            <a:pPr algn="r"/>
+            <a:r>
+              <a:rPr lang="de-DE" sz="800" i="1" dirty="0"/>
+              <a:t>Code </a:t>
+            </a:r>
+            <a:r>
+              <a:rPr lang="de-DE" sz="800" i="1" dirty="0" err="1"/>
+              <a:t>by</a:t>
+            </a:r>
+            <a:r>
+              <a:rPr lang="de-DE" sz="800" i="1" dirty="0"/>
+              <a:t>: Timon</a:t>
+            </a:r>
+          </a:p>
+        </p:txBody>
+      </p:sp>
     </p:spTree>
   </p:cSld>
   <p:clrMapOvr>
@@ -17651,6 +18154,50 @@
               <a:t>Michael Jackson</a:t>
             </a:r>
             <a:endParaRPr sz="2400"/>
+          </a:p>
+        </p:txBody>
+      </p:sp>
+      <p:sp>
+        <p:nvSpPr>
+          <p:cNvPr id="3" name="Textfeld 2">
+            <a:extLst>
+              <a:ext uri="{FF2B5EF4-FFF2-40B4-BE49-F238E27FC236}">
+                <a16:creationId xmlns:a16="http://schemas.microsoft.com/office/drawing/2014/main" id="{0C4E5AA5-3342-4F63-80FF-B74709DCFAB1}"/>
+              </a:ext>
+            </a:extLst>
+          </p:cNvPr>
+          <p:cNvSpPr txBox="1"/>
+          <p:nvPr/>
+        </p:nvSpPr>
+        <p:spPr>
+          <a:xfrm>
+            <a:off x="4572000" y="5020389"/>
+            <a:ext cx="4571999" cy="123111"/>
+          </a:xfrm>
+          <a:prstGeom prst="rect">
+            <a:avLst/>
+          </a:prstGeom>
+          <a:noFill/>
+        </p:spPr>
+        <p:txBody>
+          <a:bodyPr wrap="square" tIns="0" bIns="0" rtlCol="0">
+            <a:spAutoFit/>
+          </a:bodyPr>
+          <a:lstStyle/>
+          <a:p>
+            <a:pPr algn="r"/>
+            <a:r>
+              <a:rPr lang="de-DE" sz="800" i="1" dirty="0"/>
+              <a:t>Content and Design </a:t>
+            </a:r>
+            <a:r>
+              <a:rPr lang="de-DE" sz="800" i="1" dirty="0" err="1"/>
+              <a:t>by</a:t>
+            </a:r>
+            <a:r>
+              <a:rPr lang="de-DE" sz="800" i="1" dirty="0"/>
+              <a:t>: Leonard, Timon</a:t>
+            </a:r>
           </a:p>
         </p:txBody>
       </p:sp>
@@ -17734,8 +18281,8 @@
         </p:blipFill>
         <p:spPr>
           <a:xfrm>
-            <a:off x="1530376" y="1247750"/>
-            <a:ext cx="6083247" cy="3608500"/>
+            <a:off x="1534714" y="1247750"/>
+            <a:ext cx="6074571" cy="3608500"/>
           </a:xfrm>
           <a:prstGeom prst="rect">
             <a:avLst/>
@@ -18628,8 +19175,8 @@
         </p:blipFill>
         <p:spPr>
           <a:xfrm>
-            <a:off x="1530376" y="1247750"/>
-            <a:ext cx="6083247" cy="3608500"/>
+            <a:off x="1534714" y="1247750"/>
+            <a:ext cx="6074571" cy="3608500"/>
           </a:xfrm>
           <a:prstGeom prst="rect">
             <a:avLst/>
@@ -19471,8 +20018,8 @@
         </p:blipFill>
         <p:spPr>
           <a:xfrm>
-            <a:off x="360276" y="1378424"/>
-            <a:ext cx="3679148" cy="2182421"/>
+            <a:off x="362899" y="1378424"/>
+            <a:ext cx="3673901" cy="2182421"/>
           </a:xfrm>
           <a:prstGeom prst="rect">
             <a:avLst/>
@@ -20024,6 +20571,50 @@
           </a:ln>
         </p:spPr>
       </p:cxnSp>
+      <p:sp>
+        <p:nvSpPr>
+          <p:cNvPr id="21" name="Textfeld 20">
+            <a:extLst>
+              <a:ext uri="{FF2B5EF4-FFF2-40B4-BE49-F238E27FC236}">
+                <a16:creationId xmlns:a16="http://schemas.microsoft.com/office/drawing/2014/main" id="{B2899A62-7372-4D46-9DC5-98C9C8D7054D}"/>
+              </a:ext>
+            </a:extLst>
+          </p:cNvPr>
+          <p:cNvSpPr txBox="1"/>
+          <p:nvPr/>
+        </p:nvSpPr>
+        <p:spPr>
+          <a:xfrm>
+            <a:off x="4572000" y="5020389"/>
+            <a:ext cx="4571999" cy="123111"/>
+          </a:xfrm>
+          <a:prstGeom prst="rect">
+            <a:avLst/>
+          </a:prstGeom>
+          <a:noFill/>
+        </p:spPr>
+        <p:txBody>
+          <a:bodyPr wrap="square" tIns="0" bIns="0" rtlCol="0">
+            <a:spAutoFit/>
+          </a:bodyPr>
+          <a:lstStyle/>
+          <a:p>
+            <a:pPr algn="r"/>
+            <a:r>
+              <a:rPr lang="de-DE" sz="800" i="1" dirty="0"/>
+              <a:t>Code </a:t>
+            </a:r>
+            <a:r>
+              <a:rPr lang="de-DE" sz="800" i="1" dirty="0" err="1"/>
+              <a:t>by</a:t>
+            </a:r>
+            <a:r>
+              <a:rPr lang="de-DE" sz="800" i="1" dirty="0"/>
+              <a:t>: Timon</a:t>
+            </a:r>
+          </a:p>
+        </p:txBody>
+      </p:sp>
     </p:spTree>
   </p:cSld>
   <p:clrMapOvr>
@@ -20147,73 +20738,31 @@
             <a:chExt cx="3842788" cy="2279490"/>
           </a:xfrm>
         </p:grpSpPr>
-        <p:grpSp>
-          <p:nvGrpSpPr>
-            <p:cNvPr id="222" name="Google Shape;222;p18"/>
-            <p:cNvGrpSpPr/>
+        <p:pic>
+          <p:nvPicPr>
+            <p:cNvPr id="223" name="Google Shape;223;p18"/>
+            <p:cNvPicPr preferRelativeResize="0"/>
             <p:nvPr/>
-          </p:nvGrpSpPr>
-          <p:grpSpPr>
+          </p:nvPicPr>
+          <p:blipFill rotWithShape="1">
+            <a:blip r:embed="rId3"/>
+            <a:srcRect/>
+            <a:stretch/>
+          </p:blipFill>
+          <p:spPr>
             <a:xfrm>
-              <a:off x="392601" y="1019114"/>
-              <a:ext cx="3842788" cy="2279490"/>
-              <a:chOff x="1530375" y="1247750"/>
-              <a:chExt cx="6083248" cy="3608500"/>
+              <a:off x="395341" y="1019114"/>
+              <a:ext cx="3837307" cy="2279490"/>
             </a:xfrm>
-          </p:grpSpPr>
-          <p:pic>
-            <p:nvPicPr>
-              <p:cNvPr id="223" name="Google Shape;223;p18"/>
-              <p:cNvPicPr preferRelativeResize="0"/>
-              <p:nvPr/>
-            </p:nvPicPr>
-            <p:blipFill rotWithShape="1">
-              <a:blip r:embed="rId3"/>
-              <a:srcRect/>
-              <a:stretch/>
-            </p:blipFill>
-            <p:spPr>
-              <a:xfrm>
-                <a:off x="1530375" y="1247750"/>
-                <a:ext cx="6083248" cy="3608500"/>
-              </a:xfrm>
-              <a:prstGeom prst="rect">
-                <a:avLst/>
-              </a:prstGeom>
+            <a:prstGeom prst="rect">
+              <a:avLst/>
+            </a:prstGeom>
+            <a:noFill/>
+            <a:ln>
               <a:noFill/>
-              <a:ln>
-                <a:noFill/>
-              </a:ln>
-            </p:spPr>
-          </p:pic>
-          <p:pic>
-            <p:nvPicPr>
-              <p:cNvPr id="224" name="Google Shape;224;p18"/>
-              <p:cNvPicPr preferRelativeResize="0"/>
-              <p:nvPr/>
-            </p:nvPicPr>
-            <p:blipFill rotWithShape="1">
-              <a:blip r:embed="rId4">
-                <a:alphaModFix/>
-              </a:blip>
-              <a:srcRect b="1623"/>
-              <a:stretch/>
-            </p:blipFill>
-            <p:spPr>
-              <a:xfrm>
-                <a:off x="2366150" y="2693225"/>
-                <a:ext cx="1987401" cy="208750"/>
-              </a:xfrm>
-              <a:prstGeom prst="rect">
-                <a:avLst/>
-              </a:prstGeom>
-              <a:noFill/>
-              <a:ln>
-                <a:noFill/>
-              </a:ln>
-            </p:spPr>
-          </p:pic>
-        </p:grpSp>
+            </a:ln>
+          </p:spPr>
+        </p:pic>
         <p:pic>
           <p:nvPicPr>
             <p:cNvPr id="225" name="Google Shape;225;p18"/>
@@ -20221,7 +20770,7 @@
             <p:nvPr/>
           </p:nvPicPr>
           <p:blipFill>
-            <a:blip r:embed="rId5">
+            <a:blip r:embed="rId4">
               <a:alphaModFix/>
             </a:blip>
             <a:stretch>
@@ -20250,7 +20799,7 @@
           <p:nvPr/>
         </p:nvPicPr>
         <p:blipFill>
-          <a:blip r:embed="rId6">
+          <a:blip r:embed="rId5">
             <a:alphaModFix/>
           </a:blip>
           <a:stretch>
@@ -20271,6 +20820,50 @@
           </a:ln>
         </p:spPr>
       </p:pic>
+      <p:sp>
+        <p:nvSpPr>
+          <p:cNvPr id="11" name="Textfeld 10">
+            <a:extLst>
+              <a:ext uri="{FF2B5EF4-FFF2-40B4-BE49-F238E27FC236}">
+                <a16:creationId xmlns:a16="http://schemas.microsoft.com/office/drawing/2014/main" id="{79FEDA16-9F81-453B-B8B1-10652EE62033}"/>
+              </a:ext>
+            </a:extLst>
+          </p:cNvPr>
+          <p:cNvSpPr txBox="1"/>
+          <p:nvPr/>
+        </p:nvSpPr>
+        <p:spPr>
+          <a:xfrm>
+            <a:off x="4572000" y="5020389"/>
+            <a:ext cx="4571999" cy="123111"/>
+          </a:xfrm>
+          <a:prstGeom prst="rect">
+            <a:avLst/>
+          </a:prstGeom>
+          <a:noFill/>
+        </p:spPr>
+        <p:txBody>
+          <a:bodyPr wrap="square" tIns="0" bIns="0" rtlCol="0">
+            <a:spAutoFit/>
+          </a:bodyPr>
+          <a:lstStyle/>
+          <a:p>
+            <a:pPr algn="r"/>
+            <a:r>
+              <a:rPr lang="de-DE" sz="800" i="1" dirty="0"/>
+              <a:t>Code </a:t>
+            </a:r>
+            <a:r>
+              <a:rPr lang="de-DE" sz="800" i="1" dirty="0" err="1"/>
+              <a:t>by</a:t>
+            </a:r>
+            <a:r>
+              <a:rPr lang="de-DE" sz="800" i="1" dirty="0"/>
+              <a:t>: Timon</a:t>
+            </a:r>
+          </a:p>
+        </p:txBody>
+      </p:sp>
     </p:spTree>
   </p:cSld>
   <p:clrMapOvr>
@@ -20304,15 +20897,15 @@
         </p:nvPicPr>
         <p:blipFill rotWithShape="1">
           <a:blip r:embed="rId3">
-            <a:alphaModFix amt="35000"/>
+            <a:alphaModFix amt="20000"/>
           </a:blip>
           <a:srcRect/>
           <a:stretch/>
         </p:blipFill>
         <p:spPr>
           <a:xfrm>
-            <a:off x="275074" y="1378425"/>
-            <a:ext cx="3982873" cy="2304576"/>
+            <a:off x="275075" y="1412948"/>
+            <a:ext cx="3982872" cy="2304576"/>
           </a:xfrm>
           <a:prstGeom prst="rect">
             <a:avLst/>
@@ -20333,13 +20926,13 @@
           <a:blip r:embed="rId4">
             <a:alphaModFix/>
           </a:blip>
-          <a:srcRect b="92288"/>
+          <a:srcRect b="93242"/>
           <a:stretch/>
         </p:blipFill>
         <p:spPr>
           <a:xfrm>
-            <a:off x="275075" y="1378425"/>
-            <a:ext cx="3982873" cy="176997"/>
+            <a:off x="275075" y="1378426"/>
+            <a:ext cx="3982873" cy="155100"/>
           </a:xfrm>
           <a:prstGeom prst="rect">
             <a:avLst/>
@@ -20532,6 +21125,50 @@
           </a:ln>
         </p:spPr>
       </p:pic>
+      <p:sp>
+        <p:nvSpPr>
+          <p:cNvPr id="11" name="Textfeld 10">
+            <a:extLst>
+              <a:ext uri="{FF2B5EF4-FFF2-40B4-BE49-F238E27FC236}">
+                <a16:creationId xmlns:a16="http://schemas.microsoft.com/office/drawing/2014/main" id="{3AD43D71-296C-472C-85C8-EE063497A486}"/>
+              </a:ext>
+            </a:extLst>
+          </p:cNvPr>
+          <p:cNvSpPr txBox="1"/>
+          <p:nvPr/>
+        </p:nvSpPr>
+        <p:spPr>
+          <a:xfrm>
+            <a:off x="4572000" y="5020389"/>
+            <a:ext cx="4571999" cy="123111"/>
+          </a:xfrm>
+          <a:prstGeom prst="rect">
+            <a:avLst/>
+          </a:prstGeom>
+          <a:noFill/>
+        </p:spPr>
+        <p:txBody>
+          <a:bodyPr wrap="square" tIns="0" bIns="0" rtlCol="0">
+            <a:spAutoFit/>
+          </a:bodyPr>
+          <a:lstStyle/>
+          <a:p>
+            <a:pPr algn="r"/>
+            <a:r>
+              <a:rPr lang="de-DE" sz="800" i="1" dirty="0"/>
+              <a:t>Code </a:t>
+            </a:r>
+            <a:r>
+              <a:rPr lang="de-DE" sz="800" i="1" dirty="0" err="1"/>
+              <a:t>by</a:t>
+            </a:r>
+            <a:r>
+              <a:rPr lang="de-DE" sz="800" i="1" dirty="0"/>
+              <a:t>: Timon</a:t>
+            </a:r>
+          </a:p>
+        </p:txBody>
+      </p:sp>
     </p:spTree>
   </p:cSld>
   <p:clrMapOvr>
@@ -20698,8 +21335,8 @@
         </p:blipFill>
         <p:spPr>
           <a:xfrm>
-            <a:off x="392601" y="1402164"/>
-            <a:ext cx="3842788" cy="2279490"/>
+            <a:off x="395341" y="1402164"/>
+            <a:ext cx="3837307" cy="2279490"/>
           </a:xfrm>
           <a:prstGeom prst="rect">
             <a:avLst/>
@@ -21145,6 +21782,50 @@
           </a:ln>
         </p:spPr>
       </p:cxnSp>
+      <p:sp>
+        <p:nvSpPr>
+          <p:cNvPr id="20" name="Textfeld 19">
+            <a:extLst>
+              <a:ext uri="{FF2B5EF4-FFF2-40B4-BE49-F238E27FC236}">
+                <a16:creationId xmlns:a16="http://schemas.microsoft.com/office/drawing/2014/main" id="{050540AC-FB11-4E52-A90D-8EA8D66883C8}"/>
+              </a:ext>
+            </a:extLst>
+          </p:cNvPr>
+          <p:cNvSpPr txBox="1"/>
+          <p:nvPr/>
+        </p:nvSpPr>
+        <p:spPr>
+          <a:xfrm>
+            <a:off x="4572000" y="5020389"/>
+            <a:ext cx="4571999" cy="123111"/>
+          </a:xfrm>
+          <a:prstGeom prst="rect">
+            <a:avLst/>
+          </a:prstGeom>
+          <a:noFill/>
+        </p:spPr>
+        <p:txBody>
+          <a:bodyPr wrap="square" tIns="0" bIns="0" rtlCol="0">
+            <a:spAutoFit/>
+          </a:bodyPr>
+          <a:lstStyle/>
+          <a:p>
+            <a:pPr algn="r"/>
+            <a:r>
+              <a:rPr lang="de-DE" sz="800" i="1" dirty="0"/>
+              <a:t>Code </a:t>
+            </a:r>
+            <a:r>
+              <a:rPr lang="de-DE" sz="800" i="1" dirty="0" err="1"/>
+              <a:t>by</a:t>
+            </a:r>
+            <a:r>
+              <a:rPr lang="de-DE" sz="800" i="1" dirty="0"/>
+              <a:t>: Timon</a:t>
+            </a:r>
+          </a:p>
+        </p:txBody>
+      </p:sp>
     </p:spTree>
   </p:cSld>
   <p:clrMapOvr>
@@ -21832,6 +22513,50 @@
           </a:ln>
         </p:spPr>
       </p:cxnSp>
+      <p:sp>
+        <p:nvSpPr>
+          <p:cNvPr id="20" name="Textfeld 19">
+            <a:extLst>
+              <a:ext uri="{FF2B5EF4-FFF2-40B4-BE49-F238E27FC236}">
+                <a16:creationId xmlns:a16="http://schemas.microsoft.com/office/drawing/2014/main" id="{2A51D1A6-EA2D-4D1A-BED7-97EEB50EC12E}"/>
+              </a:ext>
+            </a:extLst>
+          </p:cNvPr>
+          <p:cNvSpPr txBox="1"/>
+          <p:nvPr/>
+        </p:nvSpPr>
+        <p:spPr>
+          <a:xfrm>
+            <a:off x="4572000" y="5020389"/>
+            <a:ext cx="4571999" cy="123111"/>
+          </a:xfrm>
+          <a:prstGeom prst="rect">
+            <a:avLst/>
+          </a:prstGeom>
+          <a:noFill/>
+        </p:spPr>
+        <p:txBody>
+          <a:bodyPr wrap="square" tIns="0" bIns="0" rtlCol="0">
+            <a:spAutoFit/>
+          </a:bodyPr>
+          <a:lstStyle/>
+          <a:p>
+            <a:pPr algn="r"/>
+            <a:r>
+              <a:rPr lang="de-DE" sz="800" i="1" dirty="0"/>
+              <a:t>Code </a:t>
+            </a:r>
+            <a:r>
+              <a:rPr lang="de-DE" sz="800" i="1" dirty="0" err="1"/>
+              <a:t>by</a:t>
+            </a:r>
+            <a:r>
+              <a:rPr lang="de-DE" sz="800" i="1" dirty="0"/>
+              <a:t>: Timon</a:t>
+            </a:r>
+          </a:p>
+        </p:txBody>
+      </p:sp>
     </p:spTree>
     <p:extLst>
       <p:ext uri="{BB962C8B-B14F-4D97-AF65-F5344CB8AC3E}">
